--- a/Coffee-Shop-Sales-Analysis-Presentation.pptx
+++ b/Coffee-Shop-Sales-Analysis-Presentation.pptx
@@ -30,29 +30,25 @@
       <p:regular r:id="rId16"/>
     </p:embeddedFont>
     <p:embeddedFont>
-      <p:font typeface="Algerian" panose="04020705040A02060702" pitchFamily="82" charset="0"/>
+      <p:font typeface="Amasis MT Pro Medium" panose="02040604050005020304" pitchFamily="18" charset="0"/>
       <p:regular r:id="rId17"/>
-    </p:embeddedFont>
-    <p:embeddedFont>
-      <p:font typeface="Amasis MT Pro Medium" panose="02040604050005020304" pitchFamily="18" charset="0"/>
-      <p:regular r:id="rId18"/>
-      <p:italic r:id="rId19"/>
+      <p:italic r:id="rId18"/>
     </p:embeddedFont>
     <p:embeddedFont>
       <p:font typeface="Aptos Black" panose="020B0004020202020204" pitchFamily="34" charset="0"/>
-      <p:bold r:id="rId20"/>
-      <p:boldItalic r:id="rId21"/>
+      <p:bold r:id="rId19"/>
+      <p:boldItalic r:id="rId20"/>
     </p:embeddedFont>
     <p:embeddedFont>
       <p:font typeface="Arial Black" panose="020B0A04020102020204" pitchFamily="34" charset="0"/>
-      <p:bold r:id="rId22"/>
+      <p:bold r:id="rId21"/>
     </p:embeddedFont>
     <p:embeddedFont>
       <p:font typeface="Carlito" panose="020B0604020202020204" charset="0"/>
-      <p:regular r:id="rId23"/>
-      <p:bold r:id="rId24"/>
-      <p:italic r:id="rId25"/>
-      <p:boldItalic r:id="rId26"/>
+      <p:regular r:id="rId22"/>
+      <p:bold r:id="rId23"/>
+      <p:italic r:id="rId24"/>
+      <p:boldItalic r:id="rId25"/>
     </p:embeddedFont>
   </p:embeddedFontLst>
   <p:defaultTextStyle>
@@ -300,7 +296,7 @@
       </p15:sldGuideLst>
     </p:ext>
     <p:ext uri="GoogleSlidesCustomDataVersion2">
-      <go:slidesCustomData xmlns="" xmlns:mc="http://schemas.openxmlformats.org/markup-compatibility/2006" xmlns:mv="urn:schemas-microsoft-com:mac:vml" xmlns:c="http://schemas.openxmlformats.org/drawingml/2006/chart" xmlns:dgm="http://schemas.openxmlformats.org/drawingml/2006/diagram" xmlns:o="urn:schemas-microsoft-com:office:office" xmlns:v="urn:schemas-microsoft-com:vml" xmlns:pvml="urn:schemas-microsoft-com:office:powerpoint" xmlns:com="http://schemas.openxmlformats.org/drawingml/2006/compatibility" xmlns:p14="http://schemas.microsoft.com/office/powerpoint/2010/main" xmlns:p15="http://schemas.microsoft.com/office/powerpoint/2012/main" xmlns:ahyp="http://schemas.microsoft.com/office/drawing/2018/hyperlinkcolor" xmlns:go="http://customooxmlschemas.google.com/" r:id="rId31" roundtripDataSignature="AMtx7mjbiXw5Pat6rGQC/9GDleSlXJ2MEA=="/>
+      <go:slidesCustomData xmlns:go="http://customooxmlschemas.google.com/" xmlns:ahyp="http://schemas.microsoft.com/office/drawing/2018/hyperlinkcolor" xmlns:p15="http://schemas.microsoft.com/office/powerpoint/2012/main" xmlns:p14="http://schemas.microsoft.com/office/powerpoint/2010/main" xmlns:com="http://schemas.openxmlformats.org/drawingml/2006/compatibility" xmlns:pvml="urn:schemas-microsoft-com:office:powerpoint" xmlns:v="urn:schemas-microsoft-com:vml" xmlns:o="urn:schemas-microsoft-com:office:office" xmlns:dgm="http://schemas.openxmlformats.org/drawingml/2006/diagram" xmlns:c="http://schemas.openxmlformats.org/drawingml/2006/chart" xmlns:mv="urn:schemas-microsoft-com:mac:vml" xmlns:mc="http://schemas.openxmlformats.org/markup-compatibility/2006" xmlns="" r:id="rId31" roundtripDataSignature="AMtx7mjbiXw5Pat6rGQC/9GDleSlXJ2MEA=="/>
     </p:ext>
   </p:extLst>
 </p:presentation>
@@ -1069,7 +1065,11 @@
     </dgm:pt>
     <dgm:pt modelId="{72E845EF-5C99-4133-8F41-58EE12822310}">
       <dgm:prSet custT="1"/>
-      <dgm:spPr/>
+      <dgm:spPr>
+        <a:solidFill>
+          <a:schemeClr val="tx1"/>
+        </a:solidFill>
+      </dgm:spPr>
       <dgm:t>
         <a:bodyPr/>
         <a:lstStyle/>
@@ -1129,7 +1129,11 @@
     </dgm:pt>
     <dgm:pt modelId="{8DEC9BD2-549A-4306-A7A5-29F14509A992}">
       <dgm:prSet custT="1"/>
-      <dgm:spPr/>
+      <dgm:spPr>
+        <a:solidFill>
+          <a:schemeClr val="tx1"/>
+        </a:solidFill>
+      </dgm:spPr>
       <dgm:t>
         <a:bodyPr/>
         <a:lstStyle/>
@@ -1189,7 +1193,11 @@
     </dgm:pt>
     <dgm:pt modelId="{34D6762E-F8BE-46F5-819F-4B70E9363987}">
       <dgm:prSet custT="1"/>
-      <dgm:spPr/>
+      <dgm:spPr>
+        <a:solidFill>
+          <a:schemeClr val="tx1"/>
+        </a:solidFill>
+      </dgm:spPr>
       <dgm:t>
         <a:bodyPr/>
         <a:lstStyle/>
@@ -1249,7 +1257,11 @@
     </dgm:pt>
     <dgm:pt modelId="{CB0C254D-0E3C-4574-8E45-E3541ADBE56E}">
       <dgm:prSet custT="1"/>
-      <dgm:spPr/>
+      <dgm:spPr>
+        <a:solidFill>
+          <a:schemeClr val="tx1"/>
+        </a:solidFill>
+      </dgm:spPr>
       <dgm:t>
         <a:bodyPr/>
         <a:lstStyle/>
@@ -1463,12 +1475,7 @@
           </a:avLst>
         </a:prstGeom>
         <a:solidFill>
-          <a:schemeClr val="accent1">
-            <a:hueOff val="0"/>
-            <a:satOff val="0"/>
-            <a:lumOff val="0"/>
-            <a:alphaOff val="0"/>
-          </a:schemeClr>
+          <a:schemeClr val="tx1"/>
         </a:solidFill>
         <a:ln w="25400" cap="flat" cmpd="sng" algn="ctr">
           <a:solidFill>
@@ -1563,12 +1570,7 @@
           </a:avLst>
         </a:prstGeom>
         <a:solidFill>
-          <a:schemeClr val="accent1">
-            <a:hueOff val="0"/>
-            <a:satOff val="0"/>
-            <a:lumOff val="0"/>
-            <a:alphaOff val="0"/>
-          </a:schemeClr>
+          <a:schemeClr val="tx1"/>
         </a:solidFill>
         <a:ln w="25400" cap="flat" cmpd="sng" algn="ctr">
           <a:solidFill>
@@ -1653,12 +1655,7 @@
           </a:avLst>
         </a:prstGeom>
         <a:solidFill>
-          <a:schemeClr val="accent1">
-            <a:hueOff val="0"/>
-            <a:satOff val="0"/>
-            <a:lumOff val="0"/>
-            <a:alphaOff val="0"/>
-          </a:schemeClr>
+          <a:schemeClr val="tx1"/>
         </a:solidFill>
         <a:ln w="25400" cap="flat" cmpd="sng" algn="ctr">
           <a:solidFill>
@@ -1753,12 +1750,7 @@
           </a:avLst>
         </a:prstGeom>
         <a:solidFill>
-          <a:schemeClr val="accent1">
-            <a:hueOff val="0"/>
-            <a:satOff val="0"/>
-            <a:lumOff val="0"/>
-            <a:alphaOff val="0"/>
-          </a:schemeClr>
+          <a:schemeClr val="tx1"/>
         </a:solidFill>
         <a:ln w="25400" cap="flat" cmpd="sng" algn="ctr">
           <a:solidFill>
@@ -6511,7 +6503,7 @@
 </file>
 
 <file path=ppt/slideLayouts/slideLayout1.xml><?xml version="1.0" encoding="utf-8"?>
-<p:sldLayout xmlns:a="http://schemas.openxmlformats.org/drawingml/2006/main" xmlns:r="http://schemas.openxmlformats.org/officeDocument/2006/relationships" xmlns:p="http://schemas.openxmlformats.org/presentationml/2006/main" matchingName="Title and Content" type="obj">
+<p:sldLayout xmlns:a="http://schemas.openxmlformats.org/drawingml/2006/main" xmlns:r="http://schemas.openxmlformats.org/officeDocument/2006/relationships" xmlns:p="http://schemas.openxmlformats.org/presentationml/2006/main" showMasterSp="0" matchingName="Title and Content" type="obj">
   <p:cSld name="OBJECT">
     <p:spTree>
       <p:nvGrpSpPr>
@@ -7479,14 +7471,6 @@
 <file path=ppt/slideLayouts/slideLayout2.xml><?xml version="1.0" encoding="utf-8"?>
 <p:sldLayout xmlns:a="http://schemas.openxmlformats.org/drawingml/2006/main" xmlns:r="http://schemas.openxmlformats.org/officeDocument/2006/relationships" xmlns:p="http://schemas.openxmlformats.org/presentationml/2006/main" showMasterSp="0" matchingName="Two Content">
   <p:cSld name="Two Content">
-    <p:bg>
-      <p:bgPr>
-        <a:solidFill>
-          <a:schemeClr val="lt1"/>
-        </a:solidFill>
-        <a:effectLst/>
-      </p:bgPr>
-    </p:bg>
     <p:spTree>
       <p:nvGrpSpPr>
         <p:cNvPr id="1" name="Shape 17"/>
@@ -8670,14 +8654,6 @@
 <file path=ppt/slideLayouts/slideLayout3.xml><?xml version="1.0" encoding="utf-8"?>
 <p:sldLayout xmlns:a="http://schemas.openxmlformats.org/drawingml/2006/main" xmlns:r="http://schemas.openxmlformats.org/officeDocument/2006/relationships" xmlns:p="http://schemas.openxmlformats.org/presentationml/2006/main" showMasterSp="0" matchingName="Title Only">
   <p:cSld name="Title Only">
-    <p:bg>
-      <p:bgPr>
-        <a:solidFill>
-          <a:schemeClr val="lt1"/>
-        </a:solidFill>
-        <a:effectLst/>
-      </p:bgPr>
-    </p:bg>
     <p:spTree>
       <p:nvGrpSpPr>
         <p:cNvPr id="1" name="Shape 25"/>
@@ -9539,7 +9515,7 @@
 </file>
 
 <file path=ppt/slideLayouts/slideLayout4.xml><?xml version="1.0" encoding="utf-8"?>
-<p:sldLayout xmlns:a="http://schemas.openxmlformats.org/drawingml/2006/main" xmlns:r="http://schemas.openxmlformats.org/officeDocument/2006/relationships" xmlns:p="http://schemas.openxmlformats.org/presentationml/2006/main" matchingName="Blank">
+<p:sldLayout xmlns:a="http://schemas.openxmlformats.org/drawingml/2006/main" xmlns:r="http://schemas.openxmlformats.org/officeDocument/2006/relationships" xmlns:p="http://schemas.openxmlformats.org/presentationml/2006/main" showMasterSp="0" matchingName="Blank">
   <p:cSld name="Blank">
     <p:spTree>
       <p:nvGrpSpPr>
@@ -10173,7 +10149,7 @@
 </file>
 
 <file path=ppt/slideLayouts/slideLayout5.xml><?xml version="1.0" encoding="utf-8"?>
-<p:sldLayout xmlns:a="http://schemas.openxmlformats.org/drawingml/2006/main" xmlns:r="http://schemas.openxmlformats.org/officeDocument/2006/relationships" xmlns:p="http://schemas.openxmlformats.org/presentationml/2006/main" matchingName="Title Slide">
+<p:sldLayout xmlns:a="http://schemas.openxmlformats.org/drawingml/2006/main" xmlns:r="http://schemas.openxmlformats.org/officeDocument/2006/relationships" xmlns:p="http://schemas.openxmlformats.org/presentationml/2006/main" showMasterSp="0" matchingName="Title Slide">
   <p:cSld name="Title Slide">
     <p:spTree>
       <p:nvGrpSpPr>
@@ -13210,33 +13186,6 @@
 <file path=ppt/slides/slide1.xml><?xml version="1.0" encoding="utf-8"?>
 <p:sld xmlns:a="http://schemas.openxmlformats.org/drawingml/2006/main" xmlns:r="http://schemas.openxmlformats.org/officeDocument/2006/relationships" xmlns:p="http://schemas.openxmlformats.org/presentationml/2006/main" showMasterSp="0">
   <p:cSld>
-    <p:bg>
-      <p:bgPr>
-        <a:gradFill>
-          <a:gsLst>
-            <a:gs pos="28463">
-              <a:schemeClr val="bg1"/>
-            </a:gs>
-            <a:gs pos="2000">
-              <a:srgbClr val="FFC000"/>
-            </a:gs>
-            <a:gs pos="74000">
-              <a:schemeClr val="bg1">
-                <a:lumMod val="95000"/>
-              </a:schemeClr>
-            </a:gs>
-            <a:gs pos="83000">
-              <a:schemeClr val="bg1"/>
-            </a:gs>
-            <a:gs pos="100000">
-              <a:srgbClr val="FFC000"/>
-            </a:gs>
-          </a:gsLst>
-          <a:lin ang="5400000" scaled="1"/>
-        </a:gradFill>
-        <a:effectLst/>
-      </p:bgPr>
-    </p:bg>
     <p:spTree>
       <p:nvGrpSpPr>
         <p:cNvPr id="1" name="Shape 58"/>
@@ -13263,8 +13212,8 @@
         </p:nvSpPr>
         <p:spPr>
           <a:xfrm>
-            <a:off x="874279" y="858400"/>
-            <a:ext cx="7074900" cy="751488"/>
+            <a:off x="223523" y="754732"/>
+            <a:ext cx="7074900" cy="628377"/>
           </a:xfrm>
           <a:prstGeom prst="rect">
             <a:avLst/>
@@ -13294,7 +13243,7 @@
               <a:buNone/>
             </a:pPr>
             <a:r>
-              <a:rPr lang="en-GB" b="1" dirty="0">
+              <a:rPr lang="en-GB" sz="4000" b="1" dirty="0">
                 <a:solidFill>
                   <a:schemeClr val="bg2">
                     <a:lumMod val="50000"/>
@@ -13304,7 +13253,7 @@
               </a:rPr>
               <a:t>CONTENTS</a:t>
             </a:r>
-            <a:endParaRPr b="1" dirty="0">
+            <a:endParaRPr sz="4000" b="1" dirty="0">
               <a:solidFill>
                 <a:schemeClr val="bg2">
                   <a:lumMod val="50000"/>
@@ -13323,8 +13272,8 @@
         </p:nvGrpSpPr>
         <p:grpSpPr>
           <a:xfrm>
-            <a:off x="0" y="2150647"/>
-            <a:ext cx="11695176" cy="5276848"/>
+            <a:off x="0" y="1700463"/>
+            <a:ext cx="11695176" cy="5727031"/>
             <a:chOff x="0" y="1997964"/>
             <a:chExt cx="11695176" cy="4732020"/>
           </a:xfrm>
@@ -15286,8 +15235,8 @@
         </p:nvSpPr>
         <p:spPr>
           <a:xfrm>
-            <a:off x="6551448" y="3023041"/>
-            <a:ext cx="2670517" cy="3941464"/>
+            <a:off x="6419910" y="2512837"/>
+            <a:ext cx="3859878" cy="4427751"/>
           </a:xfrm>
           <a:prstGeom prst="rect">
             <a:avLst/>
@@ -15321,22 +15270,22 @@
               <a:buNone/>
             </a:pPr>
             <a:r>
-              <a:rPr lang="en-GB" sz="1600" b="1" i="0" u="none" strike="noStrike" cap="none" dirty="0">
+              <a:rPr lang="en-GB" sz="1800" b="1" i="0" u="none" strike="noStrike" cap="none" dirty="0">
                 <a:solidFill>
                   <a:srgbClr val="FFC000"/>
                 </a:solidFill>
-                <a:latin typeface="Carlito"/>
+                <a:latin typeface="Arial Black" panose="020B0A04020102020204" pitchFamily="34" charset="0"/>
                 <a:ea typeface="Carlito"/>
                 <a:cs typeface="Carlito"/>
                 <a:sym typeface="Carlito"/>
               </a:rPr>
               <a:t>Project Overview</a:t>
             </a:r>
-            <a:endParaRPr sz="1600" b="1" i="0" u="none" strike="noStrike" cap="none" dirty="0">
+            <a:endParaRPr sz="1800" b="1" i="0" u="none" strike="noStrike" cap="none" dirty="0">
               <a:solidFill>
                 <a:srgbClr val="FFC000"/>
               </a:solidFill>
-              <a:latin typeface="Carlito"/>
+              <a:latin typeface="Arial Black" panose="020B0A04020102020204" pitchFamily="34" charset="0"/>
               <a:ea typeface="Carlito"/>
               <a:cs typeface="Carlito"/>
               <a:sym typeface="Carlito"/>
@@ -15361,16 +15310,16 @@
               <a:buNone/>
             </a:pPr>
             <a:r>
-              <a:rPr lang="en-GB" sz="1600" b="1" i="0" u="none" strike="noStrike" cap="none" dirty="0">
+              <a:rPr lang="en-GB" sz="1800" b="1" i="0" u="none" strike="noStrike" cap="none" dirty="0">
                 <a:solidFill>
                   <a:srgbClr val="FFC000"/>
                 </a:solidFill>
-                <a:latin typeface="Carlito"/>
+                <a:latin typeface="Arial Black" panose="020B0A04020102020204" pitchFamily="34" charset="0"/>
                 <a:ea typeface="Carlito"/>
                 <a:cs typeface="Carlito"/>
                 <a:sym typeface="Carlito"/>
               </a:rPr>
-              <a:t>Introduction  Objectives  Dataset  </a:t>
+              <a:t>Introduction  Objectives </a:t>
             </a:r>
           </a:p>
           <a:p>
@@ -15392,22 +15341,53 @@
               <a:buNone/>
             </a:pPr>
             <a:r>
-              <a:rPr lang="en-GB" sz="1600" b="1" i="0" u="none" strike="noStrike" cap="none" dirty="0">
+              <a:rPr lang="en-GB" sz="1800" b="1" i="0" u="none" strike="noStrike" cap="none" dirty="0">
                 <a:solidFill>
                   <a:srgbClr val="FFC000"/>
                 </a:solidFill>
-                <a:latin typeface="Carlito"/>
+                <a:latin typeface="Arial Black" panose="020B0A04020102020204" pitchFamily="34" charset="0"/>
+                <a:ea typeface="Carlito"/>
+                <a:cs typeface="Carlito"/>
+                <a:sym typeface="Carlito"/>
+              </a:rPr>
+              <a:t>Dataset  </a:t>
+            </a:r>
+          </a:p>
+          <a:p>
+            <a:pPr marL="12700" marR="1450975" lvl="0" indent="0" algn="l" rtl="0">
+              <a:lnSpc>
+                <a:spcPct val="176300"/>
+              </a:lnSpc>
+              <a:spcBef>
+                <a:spcPts val="5"/>
+              </a:spcBef>
+              <a:spcAft>
+                <a:spcPts val="0"/>
+              </a:spcAft>
+              <a:buClr>
+                <a:srgbClr val="000000"/>
+              </a:buClr>
+              <a:buSzPts val="1500"/>
+              <a:buFont typeface="Arial"/>
+              <a:buNone/>
+            </a:pPr>
+            <a:r>
+              <a:rPr lang="en-GB" sz="1800" b="1" i="0" u="none" strike="noStrike" cap="none" dirty="0">
+                <a:solidFill>
+                  <a:srgbClr val="FFC000"/>
+                </a:solidFill>
+                <a:latin typeface="Arial Black" panose="020B0A04020102020204" pitchFamily="34" charset="0"/>
                 <a:ea typeface="Carlito"/>
                 <a:cs typeface="Carlito"/>
                 <a:sym typeface="Carlito"/>
               </a:rPr>
               <a:t>Tools</a:t>
             </a:r>
-            <a:endParaRPr sz="1600" b="1" i="0" u="none" strike="noStrike" cap="none" dirty="0">
+            <a:endParaRPr sz="1800" b="1" i="0" u="none" strike="noStrike" cap="none" dirty="0">
               <a:solidFill>
                 <a:srgbClr val="FFC000"/>
               </a:solidFill>
-              <a:latin typeface="Carlito"/>
+              <a:latin typeface="Arial Black" panose="020B0A04020102020204" pitchFamily="34" charset="0"/>
               <a:ea typeface="Carlito"/>
               <a:cs typeface="Carlito"/>
               <a:sym typeface="Carlito"/>
@@ -15432,16 +15412,40 @@
               <a:buNone/>
             </a:pPr>
             <a:r>
-              <a:rPr lang="en-GB" sz="1600" b="1" i="0" u="none" strike="noStrike" cap="none" dirty="0">
+              <a:rPr lang="en-GB" sz="1800" i="0" u="none" strike="noStrike" cap="none" dirty="0">
                 <a:solidFill>
                   <a:srgbClr val="FFC000"/>
                 </a:solidFill>
-                <a:latin typeface="Carlito"/>
+                <a:latin typeface="Arial Black" panose="020B0A04020102020204" pitchFamily="34" charset="0"/>
                 <a:ea typeface="Carlito"/>
                 <a:cs typeface="Carlito"/>
                 <a:sym typeface="Carlito"/>
               </a:rPr>
-              <a:t>Data Manipulation Process </a:t>
+              <a:t>Data Manipulation</a:t>
+            </a:r>
+            <a:r>
+              <a:rPr lang="en-GB" sz="1800" dirty="0">
+                <a:solidFill>
+                  <a:srgbClr val="FFC000"/>
+                </a:solidFill>
+                <a:latin typeface="Arial Black" panose="020B0A04020102020204" pitchFamily="34" charset="0"/>
+                <a:ea typeface="Carlito"/>
+                <a:cs typeface="Carlito"/>
+                <a:sym typeface="Carlito"/>
+              </a:rPr>
+              <a:t> </a:t>
+            </a:r>
+            <a:r>
+              <a:rPr lang="en-GB" sz="1800" i="0" u="none" strike="noStrike" cap="none" dirty="0">
+                <a:solidFill>
+                  <a:srgbClr val="FFC000"/>
+                </a:solidFill>
+                <a:latin typeface="Arial Black" panose="020B0A04020102020204" pitchFamily="34" charset="0"/>
+                <a:ea typeface="Carlito"/>
+                <a:cs typeface="Carlito"/>
+                <a:sym typeface="Carlito"/>
+              </a:rPr>
+              <a:t>Process </a:t>
             </a:r>
           </a:p>
           <a:p>
@@ -15463,22 +15467,22 @@
               <a:buNone/>
             </a:pPr>
             <a:r>
-              <a:rPr lang="en-GB" sz="1600" b="1" i="0" u="none" strike="noStrike" cap="none" dirty="0">
+              <a:rPr lang="en-GB" sz="1800" b="1" i="0" u="none" strike="noStrike" cap="none" dirty="0">
                 <a:solidFill>
                   <a:srgbClr val="FFC000"/>
                 </a:solidFill>
-                <a:latin typeface="Carlito"/>
+                <a:latin typeface="Arial Black" panose="020B0A04020102020204" pitchFamily="34" charset="0"/>
                 <a:ea typeface="Carlito"/>
                 <a:cs typeface="Carlito"/>
                 <a:sym typeface="Carlito"/>
               </a:rPr>
               <a:t> Insights</a:t>
             </a:r>
-            <a:endParaRPr sz="1600" b="1" i="0" u="none" strike="noStrike" cap="none" dirty="0">
+            <a:endParaRPr sz="1800" b="1" i="0" u="none" strike="noStrike" cap="none" dirty="0">
               <a:solidFill>
                 <a:srgbClr val="FFC000"/>
               </a:solidFill>
-              <a:latin typeface="Carlito"/>
+              <a:latin typeface="Arial Black" panose="020B0A04020102020204" pitchFamily="34" charset="0"/>
               <a:ea typeface="Carlito"/>
               <a:cs typeface="Carlito"/>
               <a:sym typeface="Carlito"/>
@@ -15503,22 +15507,22 @@
               <a:buNone/>
             </a:pPr>
             <a:r>
-              <a:rPr lang="en-GB" sz="1600" b="1" i="0" u="none" strike="noStrike" cap="none" dirty="0">
+              <a:rPr lang="en-GB" sz="1800" b="1" i="0" u="none" strike="noStrike" cap="none" dirty="0">
                 <a:solidFill>
                   <a:srgbClr val="FFC000"/>
                 </a:solidFill>
-                <a:latin typeface="Carlito"/>
+                <a:latin typeface="Arial Black" panose="020B0A04020102020204" pitchFamily="34" charset="0"/>
                 <a:ea typeface="Carlito"/>
                 <a:cs typeface="Carlito"/>
                 <a:sym typeface="Carlito"/>
               </a:rPr>
               <a:t> Recommended Analysis  Recommendations</a:t>
             </a:r>
-            <a:endParaRPr sz="1600" b="1" i="0" u="none" strike="noStrike" cap="none" dirty="0">
+            <a:endParaRPr sz="1800" b="1" i="0" u="none" strike="noStrike" cap="none" dirty="0">
               <a:solidFill>
                 <a:srgbClr val="FFC000"/>
               </a:solidFill>
-              <a:latin typeface="Carlito"/>
+              <a:latin typeface="Arial Black" panose="020B0A04020102020204" pitchFamily="34" charset="0"/>
               <a:ea typeface="Carlito"/>
               <a:cs typeface="Carlito"/>
               <a:sym typeface="Carlito"/>
@@ -15566,7 +15570,10 @@
             <a:avLst/>
           </a:prstGeom>
           <a:solidFill>
-            <a:srgbClr val="FFC000"/>
+            <a:schemeClr val="tx1">
+              <a:lumMod val="95000"/>
+              <a:lumOff val="5000"/>
+            </a:schemeClr>
           </a:solidFill>
           <a:ln>
             <a:noFill/>
@@ -15623,7 +15630,7 @@
         <p:spPr>
           <a:xfrm>
             <a:off x="457200" y="1219200"/>
-            <a:ext cx="2943726" cy="738664"/>
+            <a:ext cx="2943726" cy="615553"/>
           </a:xfrm>
           <a:prstGeom prst="rect">
             <a:avLst/>
@@ -15653,21 +15660,19 @@
               <a:buNone/>
             </a:pPr>
             <a:r>
-              <a:rPr lang="en-IN" b="1" dirty="0">
-                <a:solidFill>
-                  <a:schemeClr val="accent3">
-                    <a:lumMod val="50000"/>
-                  </a:schemeClr>
-                </a:solidFill>
+              <a:rPr lang="en-IN" sz="4000" b="1" dirty="0">
+                <a:solidFill>
+                  <a:srgbClr val="FFC000"/>
+                </a:solidFill>
+                <a:latin typeface="Arial Black" panose="020B0A04020102020204" pitchFamily="34" charset="0"/>
               </a:rPr>
-              <a:t>Insights</a:t>
+              <a:t>INSIGHTS</a:t>
             </a:r>
-            <a:endParaRPr b="1" dirty="0">
+            <a:endParaRPr sz="4000" b="1" dirty="0">
               <a:solidFill>
-                <a:schemeClr val="accent3">
-                  <a:lumMod val="50000"/>
-                </a:schemeClr>
+                <a:srgbClr val="FFC000"/>
               </a:solidFill>
+              <a:latin typeface="Arial Black" panose="020B0A04020102020204" pitchFamily="34" charset="0"/>
             </a:endParaRPr>
           </a:p>
         </p:txBody>
@@ -16739,21 +16744,19 @@
               <a:buNone/>
             </a:pPr>
             <a:r>
-              <a:rPr lang="en-GB" sz="4000" b="1" dirty="0">
-                <a:solidFill>
-                  <a:schemeClr val="bg2">
-                    <a:lumMod val="75000"/>
-                  </a:schemeClr>
-                </a:solidFill>
+              <a:rPr lang="en-IN" sz="4000" b="1" dirty="0">
+                <a:solidFill>
+                  <a:schemeClr val="tx1"/>
+                </a:solidFill>
+                <a:latin typeface="Arial Black" panose="020B0A04020102020204" pitchFamily="34" charset="0"/>
               </a:rPr>
-              <a:t>Recommendations</a:t>
+              <a:t>RECOMMENDATIONS</a:t>
             </a:r>
             <a:endParaRPr sz="4000" b="1" dirty="0">
               <a:solidFill>
-                <a:schemeClr val="bg2">
-                  <a:lumMod val="75000"/>
-                </a:schemeClr>
+                <a:schemeClr val="tx1"/>
               </a:solidFill>
+              <a:latin typeface="Arial Black" panose="020B0A04020102020204" pitchFamily="34" charset="0"/>
             </a:endParaRPr>
           </a:p>
         </p:txBody>
@@ -16774,8 +16777,8 @@
         </p:nvSpPr>
         <p:spPr bwMode="auto">
           <a:xfrm>
-            <a:off x="176463" y="989528"/>
-            <a:ext cx="12472737" cy="6740307"/>
+            <a:off x="176463" y="1128027"/>
+            <a:ext cx="12472737" cy="6463308"/>
           </a:xfrm>
           <a:prstGeom prst="rect">
             <a:avLst/>
@@ -16840,7 +16843,7 @@
               <a:tabLst/>
             </a:pPr>
             <a:r>
-              <a:rPr kumimoji="0" lang="en-US" altLang="en-US" sz="2800" b="1" i="0" u="none" strike="noStrike" cap="none" normalizeH="0" baseline="0" dirty="0">
+              <a:rPr kumimoji="0" lang="en-US" altLang="en-US" sz="2400" b="1" i="0" u="none" strike="noStrike" cap="none" normalizeH="0" baseline="0" dirty="0">
                 <a:ln>
                   <a:noFill/>
                 </a:ln>
@@ -16854,7 +16857,7 @@
               </a:rPr>
               <a:t>Hourly Sales and Transactions:</a:t>
             </a:r>
-            <a:endParaRPr kumimoji="0" lang="en-US" altLang="en-US" sz="2800" b="0" i="0" u="none" strike="noStrike" cap="none" normalizeH="0" baseline="0" dirty="0">
+            <a:endParaRPr kumimoji="0" lang="en-US" altLang="en-US" sz="2400" b="0" i="0" u="none" strike="noStrike" cap="none" normalizeH="0" baseline="0" dirty="0">
               <a:ln>
                 <a:noFill/>
               </a:ln>
@@ -16999,7 +17002,7 @@
               <a:tabLst/>
             </a:pPr>
             <a:r>
-              <a:rPr kumimoji="0" lang="en-US" altLang="en-US" sz="2800" b="1" i="0" u="none" strike="noStrike" cap="none" normalizeH="0" baseline="0" dirty="0">
+              <a:rPr kumimoji="0" lang="en-US" altLang="en-US" sz="2400" b="1" i="0" u="none" strike="noStrike" cap="none" normalizeH="0" baseline="0" dirty="0">
                 <a:ln>
                   <a:noFill/>
                 </a:ln>
@@ -17013,7 +17016,7 @@
               </a:rPr>
               <a:t>Sales by Product Category:</a:t>
             </a:r>
-            <a:endParaRPr kumimoji="0" lang="en-US" altLang="en-US" sz="2800" b="0" i="0" u="none" strike="noStrike" cap="none" normalizeH="0" baseline="0" dirty="0">
+            <a:endParaRPr kumimoji="0" lang="en-US" altLang="en-US" sz="2400" b="0" i="0" u="none" strike="noStrike" cap="none" normalizeH="0" baseline="0" dirty="0">
               <a:ln>
                 <a:noFill/>
               </a:ln>
@@ -17129,7 +17132,7 @@
               <a:buSzTx/>
               <a:tabLst/>
             </a:pPr>
-            <a:endParaRPr kumimoji="0" lang="en-US" altLang="en-US" b="0" i="0" u="none" strike="noStrike" cap="none" normalizeH="0" baseline="0" dirty="0">
+            <a:endParaRPr kumimoji="0" lang="en-US" altLang="en-US" sz="2400" b="0" i="0" u="none" strike="noStrike" cap="none" normalizeH="0" baseline="0" dirty="0">
               <a:ln>
                 <a:noFill/>
               </a:ln>
@@ -17158,7 +17161,7 @@
               <a:tabLst/>
             </a:pPr>
             <a:r>
-              <a:rPr kumimoji="0" lang="en-US" altLang="en-US" sz="2800" b="1" i="0" u="none" strike="noStrike" cap="none" normalizeH="0" baseline="0" dirty="0">
+              <a:rPr kumimoji="0" lang="en-US" altLang="en-US" sz="2400" b="1" i="0" u="none" strike="noStrike" cap="none" normalizeH="0" baseline="0" dirty="0">
                 <a:ln>
                   <a:noFill/>
                 </a:ln>
@@ -17172,7 +17175,7 @@
               </a:rPr>
               <a:t>Top 5 Products by Sales Amount:</a:t>
             </a:r>
-            <a:endParaRPr kumimoji="0" lang="en-US" altLang="en-US" sz="2800" b="0" i="0" u="none" strike="noStrike" cap="none" normalizeH="0" baseline="0" dirty="0">
+            <a:endParaRPr kumimoji="0" lang="en-US" altLang="en-US" sz="2400" b="0" i="0" u="none" strike="noStrike" cap="none" normalizeH="0" baseline="0" dirty="0">
               <a:ln>
                 <a:noFill/>
               </a:ln>
@@ -17587,14 +17590,13 @@
               <a:buNone/>
             </a:pPr>
             <a:r>
-              <a:rPr lang="en-GB" sz="4000" b="1" dirty="0">
-                <a:solidFill>
-                  <a:schemeClr val="bg2">
-                    <a:lumMod val="75000"/>
-                  </a:schemeClr>
-                </a:solidFill>
+              <a:rPr lang="en-IN" sz="4000" b="1" dirty="0">
+                <a:solidFill>
+                  <a:schemeClr val="tx1"/>
+                </a:solidFill>
+                <a:latin typeface="Arial Black" panose="020B0A04020102020204" pitchFamily="34" charset="0"/>
               </a:rPr>
-              <a:t>Recommendations</a:t>
+              <a:t>RECOMMENDATIONS</a:t>
             </a:r>
             <a:endParaRPr sz="4000" b="1" dirty="0">
               <a:solidFill>
@@ -17688,7 +17690,7 @@
               <a:tabLst/>
             </a:pPr>
             <a:r>
-              <a:rPr kumimoji="0" lang="en-US" altLang="en-US" sz="2800" b="1" i="0" u="none" strike="noStrike" cap="none" normalizeH="0" baseline="0" dirty="0">
+              <a:rPr kumimoji="0" lang="en-US" altLang="en-US" sz="2400" b="1" i="0" u="none" strike="noStrike" cap="none" normalizeH="0" baseline="0" dirty="0">
                 <a:ln>
                   <a:noFill/>
                 </a:ln>
@@ -17702,7 +17704,7 @@
               </a:rPr>
               <a:t>Sales by Day of the Week:</a:t>
             </a:r>
-            <a:endParaRPr kumimoji="0" lang="en-US" altLang="en-US" sz="2800" b="0" i="0" u="none" strike="noStrike" cap="none" normalizeH="0" baseline="0" dirty="0">
+            <a:endParaRPr kumimoji="0" lang="en-US" altLang="en-US" sz="2400" b="0" i="0" u="none" strike="noStrike" cap="none" normalizeH="0" baseline="0" dirty="0">
               <a:ln>
                 <a:noFill/>
               </a:ln>
@@ -17847,7 +17849,7 @@
               <a:tabLst/>
             </a:pPr>
             <a:r>
-              <a:rPr kumimoji="0" lang="en-US" altLang="en-US" sz="2800" b="1" i="0" u="none" strike="noStrike" cap="none" normalizeH="0" baseline="0" dirty="0">
+              <a:rPr kumimoji="0" lang="en-US" altLang="en-US" sz="2400" b="1" i="0" u="none" strike="noStrike" cap="none" normalizeH="0" baseline="0" dirty="0">
                 <a:ln>
                   <a:noFill/>
                 </a:ln>
@@ -17861,7 +17863,7 @@
               </a:rPr>
               <a:t>Transactions and Sales by Store Location:</a:t>
             </a:r>
-            <a:endParaRPr kumimoji="0" lang="en-US" altLang="en-US" sz="2800" b="0" i="0" u="none" strike="noStrike" cap="none" normalizeH="0" baseline="0" dirty="0">
+            <a:endParaRPr kumimoji="0" lang="en-US" altLang="en-US" sz="2400" b="0" i="0" u="none" strike="noStrike" cap="none" normalizeH="0" baseline="0" dirty="0">
               <a:ln>
                 <a:noFill/>
               </a:ln>
@@ -18008,7 +18010,7 @@
               <a:tabLst/>
             </a:pPr>
             <a:r>
-              <a:rPr kumimoji="0" lang="en-US" altLang="en-US" sz="2800" b="1" i="0" u="none" strike="noStrike" cap="none" normalizeH="0" baseline="0" dirty="0">
+              <a:rPr kumimoji="0" lang="en-US" altLang="en-US" sz="2400" b="1" i="0" u="none" strike="noStrike" cap="none" normalizeH="0" baseline="0" dirty="0">
                 <a:ln>
                   <a:noFill/>
                 </a:ln>
@@ -18022,7 +18024,7 @@
               </a:rPr>
               <a:t>Transaction Quantity by Unit Price:</a:t>
             </a:r>
-            <a:endParaRPr kumimoji="0" lang="en-US" altLang="en-US" sz="2800" b="0" i="0" u="none" strike="noStrike" cap="none" normalizeH="0" baseline="0" dirty="0">
+            <a:endParaRPr kumimoji="0" lang="en-US" altLang="en-US" sz="2400" b="0" i="0" u="none" strike="noStrike" cap="none" normalizeH="0" baseline="0" dirty="0">
               <a:ln>
                 <a:noFill/>
               </a:ln>
@@ -18644,41 +18646,6 @@
 <file path=ppt/slides/slide2.xml><?xml version="1.0" encoding="utf-8"?>
 <p:sld xmlns:a="http://schemas.openxmlformats.org/drawingml/2006/main" xmlns:r="http://schemas.openxmlformats.org/officeDocument/2006/relationships" xmlns:p="http://schemas.openxmlformats.org/presentationml/2006/main" showMasterSp="0">
   <p:cSld>
-    <p:bg>
-      <p:bgPr>
-        <a:gradFill>
-          <a:gsLst>
-            <a:gs pos="28463">
-              <a:schemeClr val="bg2">
-                <a:lumMod val="40000"/>
-                <a:lumOff val="60000"/>
-              </a:schemeClr>
-            </a:gs>
-            <a:gs pos="2000">
-              <a:schemeClr val="bg2">
-                <a:lumMod val="20000"/>
-                <a:lumOff val="80000"/>
-              </a:schemeClr>
-            </a:gs>
-            <a:gs pos="74000">
-              <a:schemeClr val="bg1">
-                <a:lumMod val="95000"/>
-              </a:schemeClr>
-            </a:gs>
-            <a:gs pos="83000">
-              <a:schemeClr val="bg1"/>
-            </a:gs>
-            <a:gs pos="100000">
-              <a:schemeClr val="bg2">
-                <a:lumMod val="50000"/>
-              </a:schemeClr>
-            </a:gs>
-          </a:gsLst>
-          <a:lin ang="5400000" scaled="1"/>
-        </a:gradFill>
-        <a:effectLst/>
-      </p:bgPr>
-    </p:bg>
     <p:spTree>
       <p:nvGrpSpPr>
         <p:cNvPr id="1" name="Shape 117"/>
@@ -18706,7 +18673,7 @@
         <p:spPr>
           <a:xfrm>
             <a:off x="136330" y="814199"/>
-            <a:ext cx="8141396" cy="751488"/>
+            <a:ext cx="8141396" cy="628377"/>
           </a:xfrm>
           <a:prstGeom prst="rect">
             <a:avLst/>
@@ -18736,21 +18703,23 @@
               <a:buNone/>
             </a:pPr>
             <a:r>
-              <a:rPr lang="en-GB" b="1" dirty="0">
+              <a:rPr lang="en-GB" sz="4000" b="1" dirty="0">
                 <a:solidFill>
                   <a:schemeClr val="bg2">
                     <a:lumMod val="50000"/>
                   </a:schemeClr>
                 </a:solidFill>
+                <a:latin typeface="Arial Black" panose="020B0A04020102020204" pitchFamily="34" charset="0"/>
               </a:rPr>
               <a:t>PROJECT OVERVIEW</a:t>
             </a:r>
-            <a:endParaRPr b="1" dirty="0">
+            <a:endParaRPr sz="4000" b="1" dirty="0">
               <a:solidFill>
                 <a:schemeClr val="bg2">
                   <a:lumMod val="50000"/>
                 </a:schemeClr>
               </a:solidFill>
+              <a:latin typeface="Arial Black" panose="020B0A04020102020204" pitchFamily="34" charset="0"/>
             </a:endParaRPr>
           </a:p>
         </p:txBody>
@@ -18808,7 +18777,7 @@
               </a:pathLst>
             </a:custGeom>
             <a:solidFill>
-              <a:srgbClr val="002060"/>
+              <a:srgbClr val="FFC000"/>
             </a:solidFill>
             <a:ln>
               <a:noFill/>
@@ -19029,7 +18998,7 @@
               </a:pathLst>
             </a:custGeom>
             <a:solidFill>
-              <a:srgbClr val="002060"/>
+              <a:srgbClr val="FFC000"/>
             </a:solidFill>
             <a:ln>
               <a:noFill/>
@@ -19629,7 +19598,7 @@
         <p:spPr>
           <a:xfrm>
             <a:off x="183793" y="871189"/>
-            <a:ext cx="5450323" cy="751800"/>
+            <a:ext cx="5450323" cy="628377"/>
           </a:xfrm>
           <a:prstGeom prst="rect">
             <a:avLst/>
@@ -19659,21 +19628,17 @@
               <a:buNone/>
             </a:pPr>
             <a:r>
-              <a:rPr lang="en-GB" dirty="0">
-                <a:solidFill>
-                  <a:schemeClr val="tx2">
-                    <a:lumMod val="50000"/>
-                  </a:schemeClr>
+              <a:rPr lang="en-GB" sz="4000" dirty="0">
+                <a:solidFill>
+                  <a:schemeClr val="tx1"/>
                 </a:solidFill>
                 <a:latin typeface="Arial Black" panose="020B0A04020102020204" pitchFamily="34" charset="0"/>
               </a:rPr>
               <a:t>INTRODUCTION</a:t>
             </a:r>
-            <a:endParaRPr dirty="0">
+            <a:endParaRPr sz="4000" dirty="0">
               <a:solidFill>
-                <a:schemeClr val="tx2">
-                  <a:lumMod val="50000"/>
-                </a:schemeClr>
+                <a:schemeClr val="tx1"/>
               </a:solidFill>
               <a:latin typeface="Arial Black" panose="020B0A04020102020204" pitchFamily="34" charset="0"/>
             </a:endParaRPr>
@@ -19688,7 +19653,7 @@
         </p:nvGrpSpPr>
         <p:grpSpPr>
           <a:xfrm>
-            <a:off x="304800" y="1997964"/>
+            <a:off x="0" y="1997964"/>
             <a:ext cx="11390383" cy="5317236"/>
             <a:chOff x="0" y="1997964"/>
             <a:chExt cx="11695176" cy="4732020"/>
@@ -20705,7 +20670,7 @@
         <p:spPr>
           <a:xfrm>
             <a:off x="165480" y="664588"/>
-            <a:ext cx="4617300" cy="843900"/>
+            <a:ext cx="4617300" cy="628377"/>
           </a:xfrm>
           <a:prstGeom prst="rect">
             <a:avLst/>
@@ -20735,21 +20700,23 @@
               <a:buNone/>
             </a:pPr>
             <a:r>
-              <a:rPr lang="en-GB" sz="5400" b="1" dirty="0">
+              <a:rPr lang="en-GB" sz="4000" b="1" dirty="0">
                 <a:solidFill>
                   <a:schemeClr val="tx2">
                     <a:lumMod val="10000"/>
                   </a:schemeClr>
                 </a:solidFill>
+                <a:latin typeface="Arial Black" panose="020B0A04020102020204" pitchFamily="34" charset="0"/>
               </a:rPr>
               <a:t>OBJECTIVES</a:t>
             </a:r>
-            <a:endParaRPr sz="5400" b="1" dirty="0">
+            <a:endParaRPr sz="4000" b="1" dirty="0">
               <a:solidFill>
                 <a:schemeClr val="tx2">
                   <a:lumMod val="10000"/>
                 </a:schemeClr>
               </a:solidFill>
+              <a:latin typeface="Arial Black" panose="020B0A04020102020204" pitchFamily="34" charset="0"/>
             </a:endParaRPr>
           </a:p>
         </p:txBody>
@@ -20825,7 +20792,7 @@
               </a:pathLst>
             </a:custGeom>
             <a:solidFill>
-              <a:srgbClr val="FF0000"/>
+              <a:srgbClr val="FFC000"/>
             </a:solidFill>
             <a:ln>
               <a:noFill/>
@@ -21449,40 +21416,6 @@
 <file path=ppt/slides/slide5.xml><?xml version="1.0" encoding="utf-8"?>
 <p:sld xmlns:a="http://schemas.openxmlformats.org/drawingml/2006/main" xmlns:r="http://schemas.openxmlformats.org/officeDocument/2006/relationships" xmlns:p="http://schemas.openxmlformats.org/presentationml/2006/main" showMasterSp="0">
   <p:cSld>
-    <p:bg>
-      <p:bgPr>
-        <a:gradFill>
-          <a:gsLst>
-            <a:gs pos="52000">
-              <a:schemeClr val="bg2">
-                <a:lumMod val="50000"/>
-              </a:schemeClr>
-            </a:gs>
-            <a:gs pos="2000">
-              <a:schemeClr val="bg2">
-                <a:lumMod val="20000"/>
-                <a:lumOff val="80000"/>
-              </a:schemeClr>
-            </a:gs>
-            <a:gs pos="74000">
-              <a:schemeClr val="bg1">
-                <a:lumMod val="95000"/>
-              </a:schemeClr>
-            </a:gs>
-            <a:gs pos="83000">
-              <a:schemeClr val="bg1"/>
-            </a:gs>
-            <a:gs pos="100000">
-              <a:schemeClr val="bg2">
-                <a:lumMod val="50000"/>
-              </a:schemeClr>
-            </a:gs>
-          </a:gsLst>
-          <a:lin ang="5400000" scaled="1"/>
-        </a:gradFill>
-        <a:effectLst/>
-      </p:bgPr>
-    </p:bg>
     <p:spTree>
       <p:nvGrpSpPr>
         <p:cNvPr id="1" name="Shape 136"/>
@@ -21510,7 +21443,7 @@
         <p:spPr>
           <a:xfrm>
             <a:off x="164501" y="831930"/>
-            <a:ext cx="3786900" cy="751800"/>
+            <a:ext cx="3786900" cy="628377"/>
           </a:xfrm>
           <a:prstGeom prst="rect">
             <a:avLst/>
@@ -21540,14 +21473,17 @@
               <a:buNone/>
             </a:pPr>
             <a:r>
-              <a:rPr lang="en-GB" b="1" dirty="0">
+              <a:rPr lang="en-GB" sz="4000" b="1" dirty="0">
                 <a:solidFill>
                   <a:srgbClr val="000000"/>
                 </a:solidFill>
+                <a:latin typeface="Arial Black" panose="020B0A04020102020204" pitchFamily="34" charset="0"/>
               </a:rPr>
               <a:t>DATASET</a:t>
             </a:r>
-            <a:endParaRPr b="1" dirty="0"/>
+            <a:endParaRPr sz="4000" b="1" dirty="0">
+              <a:latin typeface="Arial Black" panose="020B0A04020102020204" pitchFamily="34" charset="0"/>
+            </a:endParaRPr>
           </a:p>
         </p:txBody>
       </p:sp>
@@ -21604,7 +21540,7 @@
               </a:pathLst>
             </a:custGeom>
             <a:solidFill>
-              <a:srgbClr val="002060"/>
+              <a:srgbClr val="FFC000"/>
             </a:solidFill>
             <a:ln>
               <a:noFill/>
@@ -21825,7 +21761,7 @@
               </a:pathLst>
             </a:custGeom>
             <a:solidFill>
-              <a:schemeClr val="tx1"/>
+              <a:srgbClr val="FFC000"/>
             </a:solidFill>
             <a:ln>
               <a:noFill/>
@@ -22920,40 +22856,6 @@
 <file path=ppt/slides/slide6.xml><?xml version="1.0" encoding="utf-8"?>
 <p:sld xmlns:a="http://schemas.openxmlformats.org/drawingml/2006/main" xmlns:r="http://schemas.openxmlformats.org/officeDocument/2006/relationships" xmlns:p="http://schemas.openxmlformats.org/presentationml/2006/main" showMasterSp="0">
   <p:cSld>
-    <p:bg>
-      <p:bgPr>
-        <a:gradFill>
-          <a:gsLst>
-            <a:gs pos="0">
-              <a:schemeClr val="accent1">
-                <a:lumMod val="5000"/>
-                <a:lumOff val="95000"/>
-              </a:schemeClr>
-            </a:gs>
-            <a:gs pos="74000">
-              <a:schemeClr val="accent1">
-                <a:lumMod val="45000"/>
-                <a:lumOff val="55000"/>
-              </a:schemeClr>
-            </a:gs>
-            <a:gs pos="83000">
-              <a:schemeClr val="accent1">
-                <a:lumMod val="45000"/>
-                <a:lumOff val="55000"/>
-              </a:schemeClr>
-            </a:gs>
-            <a:gs pos="100000">
-              <a:schemeClr val="accent1">
-                <a:lumMod val="30000"/>
-                <a:lumOff val="70000"/>
-              </a:schemeClr>
-            </a:gs>
-          </a:gsLst>
-          <a:lin ang="5400000" scaled="1"/>
-        </a:gradFill>
-        <a:effectLst/>
-      </p:bgPr>
-    </p:bg>
     <p:spTree>
       <p:nvGrpSpPr>
         <p:cNvPr id="1" name="Shape 163"/>
@@ -22981,7 +22883,7 @@
         <p:spPr>
           <a:xfrm>
             <a:off x="387596" y="860676"/>
-            <a:ext cx="4309138" cy="751488"/>
+            <a:ext cx="4309138" cy="628377"/>
           </a:xfrm>
           <a:prstGeom prst="rect">
             <a:avLst/>
@@ -23011,14 +22913,17 @@
               <a:buNone/>
             </a:pPr>
             <a:r>
-              <a:rPr lang="en-GB" b="1" dirty="0">
+              <a:rPr lang="en-GB" sz="4000" b="1" dirty="0">
                 <a:solidFill>
                   <a:srgbClr val="000000"/>
                 </a:solidFill>
+                <a:latin typeface="Arial Black" panose="020B0A04020102020204" pitchFamily="34" charset="0"/>
               </a:rPr>
               <a:t>TOOLS USED</a:t>
             </a:r>
-            <a:endParaRPr b="1" dirty="0"/>
+            <a:endParaRPr sz="4000" b="1" dirty="0">
+              <a:latin typeface="Arial Black" panose="020B0A04020102020204" pitchFamily="34" charset="0"/>
+            </a:endParaRPr>
           </a:p>
         </p:txBody>
       </p:sp>
@@ -23075,9 +22980,7 @@
               </a:pathLst>
             </a:custGeom>
             <a:solidFill>
-              <a:schemeClr val="tx2">
-                <a:lumMod val="10000"/>
-              </a:schemeClr>
+              <a:srgbClr val="FFC000"/>
             </a:solidFill>
             <a:ln>
               <a:noFill/>
@@ -23300,9 +23203,7 @@
               </a:pathLst>
             </a:custGeom>
             <a:solidFill>
-              <a:schemeClr val="tx2">
-                <a:lumMod val="10000"/>
-              </a:schemeClr>
+              <a:srgbClr val="FFC000"/>
             </a:solidFill>
             <a:ln>
               <a:noFill/>
@@ -23574,7 +23475,7 @@
         </p:nvSpPr>
         <p:spPr>
           <a:xfrm>
-            <a:off x="387597" y="2546180"/>
+            <a:off x="360270" y="2612878"/>
             <a:ext cx="5410099" cy="4414660"/>
           </a:xfrm>
           <a:prstGeom prst="rect">
@@ -23905,47 +23806,6 @@
 <file path=ppt/slides/slide7.xml><?xml version="1.0" encoding="utf-8"?>
 <p:sld xmlns:a="http://schemas.openxmlformats.org/drawingml/2006/main" xmlns:r="http://schemas.openxmlformats.org/officeDocument/2006/relationships" xmlns:p="http://schemas.openxmlformats.org/presentationml/2006/main" showMasterSp="0">
   <p:cSld>
-    <p:bg>
-      <p:bgPr>
-        <a:gradFill>
-          <a:gsLst>
-            <a:gs pos="54908">
-              <a:srgbClr val="C6D0DC"/>
-            </a:gs>
-            <a:gs pos="35816">
-              <a:schemeClr val="bg1">
-                <a:lumMod val="75000"/>
-              </a:schemeClr>
-            </a:gs>
-            <a:gs pos="0">
-              <a:schemeClr val="bg2">
-                <a:lumMod val="40000"/>
-                <a:lumOff val="60000"/>
-              </a:schemeClr>
-            </a:gs>
-            <a:gs pos="74000">
-              <a:schemeClr val="bg1">
-                <a:lumMod val="85000"/>
-              </a:schemeClr>
-            </a:gs>
-            <a:gs pos="83000">
-              <a:schemeClr val="accent1">
-                <a:lumMod val="45000"/>
-                <a:lumOff val="55000"/>
-              </a:schemeClr>
-            </a:gs>
-            <a:gs pos="100000">
-              <a:schemeClr val="accent1">
-                <a:lumMod val="30000"/>
-                <a:lumOff val="70000"/>
-              </a:schemeClr>
-            </a:gs>
-          </a:gsLst>
-          <a:lin ang="5400000" scaled="1"/>
-        </a:gradFill>
-        <a:effectLst/>
-      </p:bgPr>
-    </p:bg>
     <p:spTree>
       <p:nvGrpSpPr>
         <p:cNvPr id="1" name="Shape 182"/>
@@ -23972,8 +23832,8 @@
         </p:nvSpPr>
         <p:spPr>
           <a:xfrm>
-            <a:off x="386623" y="288372"/>
-            <a:ext cx="9925005" cy="689932"/>
+            <a:off x="246306" y="306571"/>
+            <a:ext cx="9925005" cy="628377"/>
           </a:xfrm>
           <a:prstGeom prst="rect">
             <a:avLst/>
@@ -24003,25 +23863,25 @@
               <a:buNone/>
             </a:pPr>
             <a:r>
-              <a:rPr lang="en-GB" sz="4400" dirty="0">
+              <a:rPr lang="en-GB" sz="4000" dirty="0">
                 <a:solidFill>
                   <a:schemeClr val="tx1">
                     <a:lumMod val="95000"/>
                     <a:lumOff val="5000"/>
                   </a:schemeClr>
                 </a:solidFill>
-                <a:latin typeface="Algerian" panose="04020705040A02060702" pitchFamily="82" charset="0"/>
+                <a:latin typeface="Arial Black" panose="020B0A04020102020204" pitchFamily="34" charset="0"/>
               </a:rPr>
               <a:t>DATA MANIPULATION PROCESS</a:t>
             </a:r>
-            <a:endParaRPr sz="4400" dirty="0">
+            <a:endParaRPr sz="4000" dirty="0">
               <a:solidFill>
                 <a:schemeClr val="tx1">
                   <a:lumMod val="95000"/>
                   <a:lumOff val="5000"/>
                 </a:schemeClr>
               </a:solidFill>
-              <a:latin typeface="Algerian" panose="04020705040A02060702" pitchFamily="82" charset="0"/>
+              <a:latin typeface="Arial Black" panose="020B0A04020102020204" pitchFamily="34" charset="0"/>
             </a:endParaRPr>
           </a:p>
         </p:txBody>
@@ -25364,47 +25224,6 @@
 <file path=ppt/slides/slide8.xml><?xml version="1.0" encoding="utf-8"?>
 <p:sld xmlns:a="http://schemas.openxmlformats.org/drawingml/2006/main" xmlns:r="http://schemas.openxmlformats.org/officeDocument/2006/relationships" xmlns:p="http://schemas.openxmlformats.org/presentationml/2006/main" showMasterSp="0">
   <p:cSld>
-    <p:bg>
-      <p:bgPr>
-        <a:gradFill>
-          <a:gsLst>
-            <a:gs pos="54908">
-              <a:srgbClr val="C6D0DC"/>
-            </a:gs>
-            <a:gs pos="35816">
-              <a:schemeClr val="bg1">
-                <a:lumMod val="75000"/>
-              </a:schemeClr>
-            </a:gs>
-            <a:gs pos="0">
-              <a:schemeClr val="bg2">
-                <a:lumMod val="40000"/>
-                <a:lumOff val="60000"/>
-              </a:schemeClr>
-            </a:gs>
-            <a:gs pos="74000">
-              <a:schemeClr val="bg1">
-                <a:lumMod val="85000"/>
-              </a:schemeClr>
-            </a:gs>
-            <a:gs pos="83000">
-              <a:schemeClr val="accent1">
-                <a:lumMod val="45000"/>
-                <a:lumOff val="55000"/>
-              </a:schemeClr>
-            </a:gs>
-            <a:gs pos="100000">
-              <a:schemeClr val="accent1">
-                <a:lumMod val="30000"/>
-                <a:lumOff val="70000"/>
-              </a:schemeClr>
-            </a:gs>
-          </a:gsLst>
-          <a:lin ang="5400000" scaled="1"/>
-        </a:gradFill>
-        <a:effectLst/>
-      </p:bgPr>
-    </p:bg>
     <p:spTree>
       <p:nvGrpSpPr>
         <p:cNvPr id="1" name="Shape 182"/>
@@ -25431,8 +25250,8 @@
         </p:nvSpPr>
         <p:spPr>
           <a:xfrm>
-            <a:off x="1168019" y="24467"/>
-            <a:ext cx="9925005" cy="689932"/>
+            <a:off x="262931" y="86022"/>
+            <a:ext cx="9925005" cy="628377"/>
           </a:xfrm>
           <a:prstGeom prst="rect">
             <a:avLst/>
@@ -25462,25 +25281,25 @@
               <a:buNone/>
             </a:pPr>
             <a:r>
-              <a:rPr lang="en-GB" sz="4400" dirty="0">
+              <a:rPr lang="en-GB" sz="4000" dirty="0">
                 <a:solidFill>
                   <a:schemeClr val="tx1">
                     <a:lumMod val="95000"/>
                     <a:lumOff val="5000"/>
                   </a:schemeClr>
                 </a:solidFill>
-                <a:latin typeface="Algerian" panose="04020705040A02060702" pitchFamily="82" charset="0"/>
+                <a:latin typeface="Arial Black" panose="020B0A04020102020204" pitchFamily="34" charset="0"/>
               </a:rPr>
               <a:t>DATA MANIPULATION PROCESS</a:t>
             </a:r>
-            <a:endParaRPr sz="4400" dirty="0">
+            <a:endParaRPr sz="4000" dirty="0">
               <a:solidFill>
                 <a:schemeClr val="tx1">
                   <a:lumMod val="95000"/>
                   <a:lumOff val="5000"/>
                 </a:schemeClr>
               </a:solidFill>
-              <a:latin typeface="Algerian" panose="04020705040A02060702" pitchFamily="82" charset="0"/>
+              <a:latin typeface="Arial Black" panose="020B0A04020102020204" pitchFamily="34" charset="0"/>
             </a:endParaRPr>
           </a:p>
         </p:txBody>
@@ -26792,7 +26611,7 @@
         <p:spPr>
           <a:xfrm>
             <a:off x="647230" y="1273997"/>
-            <a:ext cx="3286093" cy="726440"/>
+            <a:ext cx="3924770" cy="720054"/>
           </a:xfrm>
           <a:prstGeom prst="rect">
             <a:avLst/>
@@ -26826,18 +26645,17 @@
               <a:buNone/>
             </a:pPr>
             <a:r>
-              <a:rPr lang="en-GB" sz="4600" b="0" i="0" u="none" strike="noStrike" cap="none" dirty="0">
-                <a:solidFill>
-                  <a:srgbClr val="FFFFFF"/>
+              <a:rPr lang="en-IN" sz="4600" dirty="0">
+                <a:solidFill>
+                  <a:schemeClr val="bg1"/>
                 </a:solidFill>
                 <a:latin typeface="Aptos Black" panose="020B0004020202020204" pitchFamily="34" charset="0"/>
-                <a:sym typeface="Arial"/>
               </a:rPr>
-              <a:t>Key Metrics</a:t>
+              <a:t>KEY METRICS</a:t>
             </a:r>
             <a:endParaRPr sz="4600" b="0" i="0" u="none" strike="noStrike" cap="none" dirty="0">
               <a:solidFill>
-                <a:schemeClr val="dk1"/>
+                <a:schemeClr val="bg1"/>
               </a:solidFill>
               <a:latin typeface="Aptos Black" panose="020B0004020202020204" pitchFamily="34" charset="0"/>
               <a:sym typeface="Arial"/>
@@ -26858,7 +26676,7 @@
           <p:nvPr>
             <p:extLst>
               <p:ext uri="{D42A27DB-BD31-4B8C-83A1-F6EECF244321}">
-                <p14:modId xmlns:p14="http://schemas.microsoft.com/office/powerpoint/2010/main" val="1012765216"/>
+                <p14:modId xmlns:p14="http://schemas.microsoft.com/office/powerpoint/2010/main" val="656854031"/>
               </p:ext>
             </p:extLst>
           </p:nvPr>
